--- a/Présentation/présentation V3.29.pptx
+++ b/Présentation/présentation V3.29.pptx
@@ -5,7 +5,7 @@
     <p:sldMasterId id="2147483648" r:id="rId1"/>
   </p:sldMasterIdLst>
   <p:notesMasterIdLst>
-    <p:notesMasterId r:id="rId31"/>
+    <p:notesMasterId r:id="rId29"/>
   </p:notesMasterIdLst>
   <p:sldIdLst>
     <p:sldId id="414" r:id="rId2"/>
@@ -35,8 +35,6 @@
     <p:sldId id="347" r:id="rId26"/>
     <p:sldId id="348" r:id="rId27"/>
     <p:sldId id="350" r:id="rId28"/>
-    <p:sldId id="362" r:id="rId29"/>
-    <p:sldId id="423" r:id="rId30"/>
   </p:sldIdLst>
   <p:sldSz cx="12192000" cy="6858000"/>
   <p:notesSz cx="6858000" cy="9144000"/>
@@ -229,7 +227,7 @@
           <a:p>
             <a:fld id="{2FD6DBA2-E772-4A95-BA49-59C84C822D56}" type="datetimeFigureOut">
               <a:rPr lang="fr-FR" smtClean="0"/>
-              <a:t>23/05/2017</a:t>
+              <a:t>27/05/2017</a:t>
             </a:fld>
             <a:endParaRPr lang="fr-FR"/>
           </a:p>
@@ -685,7 +683,7 @@
             <a:fld id="{B61BEF0D-F0BB-DE4B-95CE-6DB70DBA9567}" type="datetimeFigureOut">
               <a:rPr lang="en-US" dirty="0"/>
               <a:pPr/>
-              <a:t>5/23/2017</a:t>
+              <a:t>5/27/2017</a:t>
             </a:fld>
             <a:endParaRPr lang="en-US" dirty="0"/>
           </a:p>
@@ -1020,7 +1018,7 @@
             <a:fld id="{B61BEF0D-F0BB-DE4B-95CE-6DB70DBA9567}" type="datetimeFigureOut">
               <a:rPr lang="en-US" dirty="0"/>
               <a:pPr/>
-              <a:t>5/23/2017</a:t>
+              <a:t>5/27/2017</a:t>
             </a:fld>
             <a:endParaRPr lang="en-US" dirty="0"/>
           </a:p>
@@ -1418,7 +1416,7 @@
             <a:fld id="{B61BEF0D-F0BB-DE4B-95CE-6DB70DBA9567}" type="datetimeFigureOut">
               <a:rPr lang="en-US" dirty="0"/>
               <a:pPr/>
-              <a:t>5/23/2017</a:t>
+              <a:t>5/27/2017</a:t>
             </a:fld>
             <a:endParaRPr lang="en-US" dirty="0"/>
           </a:p>
@@ -1751,7 +1749,7 @@
             <a:fld id="{B61BEF0D-F0BB-DE4B-95CE-6DB70DBA9567}" type="datetimeFigureOut">
               <a:rPr lang="en-US" dirty="0"/>
               <a:pPr/>
-              <a:t>5/23/2017</a:t>
+              <a:t>5/27/2017</a:t>
             </a:fld>
             <a:endParaRPr lang="en-US" dirty="0"/>
           </a:p>
@@ -2068,7 +2066,7 @@
             <a:fld id="{B61BEF0D-F0BB-DE4B-95CE-6DB70DBA9567}" type="datetimeFigureOut">
               <a:rPr lang="en-US" dirty="0"/>
               <a:pPr/>
-              <a:t>5/23/2017</a:t>
+              <a:t>5/27/2017</a:t>
             </a:fld>
             <a:endParaRPr lang="en-US" dirty="0"/>
           </a:p>
@@ -2461,7 +2459,7 @@
             <a:fld id="{B61BEF0D-F0BB-DE4B-95CE-6DB70DBA9567}" type="datetimeFigureOut">
               <a:rPr lang="en-US" dirty="0"/>
               <a:pPr/>
-              <a:t>5/23/2017</a:t>
+              <a:t>5/27/2017</a:t>
             </a:fld>
             <a:endParaRPr lang="en-US" dirty="0"/>
           </a:p>
@@ -2715,7 +2713,7 @@
             <a:fld id="{B61BEF0D-F0BB-DE4B-95CE-6DB70DBA9567}" type="datetimeFigureOut">
               <a:rPr lang="en-US" dirty="0"/>
               <a:pPr/>
-              <a:t>5/23/2017</a:t>
+              <a:t>5/27/2017</a:t>
             </a:fld>
             <a:endParaRPr lang="en-US" dirty="0"/>
           </a:p>
@@ -2974,7 +2972,7 @@
             <a:fld id="{B61BEF0D-F0BB-DE4B-95CE-6DB70DBA9567}" type="datetimeFigureOut">
               <a:rPr lang="en-US" dirty="0"/>
               <a:pPr/>
-              <a:t>5/23/2017</a:t>
+              <a:t>5/27/2017</a:t>
             </a:fld>
             <a:endParaRPr lang="en-US" dirty="0"/>
           </a:p>
@@ -3225,7 +3223,7 @@
           <a:p>
             <a:fld id="{DF1EBC05-2545-4B06-B820-0863941A7153}" type="datetimeFigureOut">
               <a:rPr lang="fr-FR" smtClean="0"/>
-              <a:t>23/05/2017</a:t>
+              <a:t>27/05/2017</a:t>
             </a:fld>
             <a:endParaRPr lang="fr-FR"/>
           </a:p>
@@ -3493,7 +3491,7 @@
             <a:fld id="{B61BEF0D-F0BB-DE4B-95CE-6DB70DBA9567}" type="datetimeFigureOut">
               <a:rPr lang="en-US" dirty="0"/>
               <a:pPr/>
-              <a:t>5/23/2017</a:t>
+              <a:t>5/27/2017</a:t>
             </a:fld>
             <a:endParaRPr lang="en-US" dirty="0"/>
           </a:p>
@@ -3819,7 +3817,7 @@
             <a:fld id="{B61BEF0D-F0BB-DE4B-95CE-6DB70DBA9567}" type="datetimeFigureOut">
               <a:rPr lang="en-US" dirty="0"/>
               <a:pPr/>
-              <a:t>5/23/2017</a:t>
+              <a:t>5/27/2017</a:t>
             </a:fld>
             <a:endParaRPr lang="en-US" dirty="0"/>
           </a:p>
@@ -4139,7 +4137,7 @@
             <a:fld id="{B61BEF0D-F0BB-DE4B-95CE-6DB70DBA9567}" type="datetimeFigureOut">
               <a:rPr lang="en-US" dirty="0"/>
               <a:pPr/>
-              <a:t>5/23/2017</a:t>
+              <a:t>5/27/2017</a:t>
             </a:fld>
             <a:endParaRPr lang="en-US" dirty="0"/>
           </a:p>
@@ -4593,7 +4591,7 @@
             <a:fld id="{B61BEF0D-F0BB-DE4B-95CE-6DB70DBA9567}" type="datetimeFigureOut">
               <a:rPr lang="en-US" dirty="0"/>
               <a:pPr/>
-              <a:t>5/23/2017</a:t>
+              <a:t>5/27/2017</a:t>
             </a:fld>
             <a:endParaRPr lang="en-US" dirty="0"/>
           </a:p>
@@ -4795,7 +4793,7 @@
             <a:fld id="{B61BEF0D-F0BB-DE4B-95CE-6DB70DBA9567}" type="datetimeFigureOut">
               <a:rPr lang="en-US" dirty="0"/>
               <a:pPr/>
-              <a:t>5/23/2017</a:t>
+              <a:t>5/27/2017</a:t>
             </a:fld>
             <a:endParaRPr lang="en-US" dirty="0"/>
           </a:p>
@@ -4969,7 +4967,7 @@
             <a:fld id="{B61BEF0D-F0BB-DE4B-95CE-6DB70DBA9567}" type="datetimeFigureOut">
               <a:rPr lang="en-US" dirty="0"/>
               <a:pPr/>
-              <a:t>5/23/2017</a:t>
+              <a:t>5/27/2017</a:t>
             </a:fld>
             <a:endParaRPr lang="en-US" dirty="0"/>
           </a:p>
@@ -5299,7 +5297,7 @@
             <a:fld id="{B61BEF0D-F0BB-DE4B-95CE-6DB70DBA9567}" type="datetimeFigureOut">
               <a:rPr lang="en-US" dirty="0"/>
               <a:pPr/>
-              <a:t>5/23/2017</a:t>
+              <a:t>5/27/2017</a:t>
             </a:fld>
             <a:endParaRPr lang="en-US" dirty="0"/>
           </a:p>
@@ -5641,7 +5639,7 @@
             <a:fld id="{B61BEF0D-F0BB-DE4B-95CE-6DB70DBA9567}" type="datetimeFigureOut">
               <a:rPr lang="en-US" dirty="0"/>
               <a:pPr/>
-              <a:t>5/23/2017</a:t>
+              <a:t>5/27/2017</a:t>
             </a:fld>
             <a:endParaRPr lang="en-US" dirty="0"/>
           </a:p>
@@ -7755,7 +7753,7 @@
             <a:fld id="{B61BEF0D-F0BB-DE4B-95CE-6DB70DBA9567}" type="datetimeFigureOut">
               <a:rPr lang="en-US" dirty="0"/>
               <a:pPr/>
-              <a:t>5/23/2017</a:t>
+              <a:t>5/27/2017</a:t>
             </a:fld>
             <a:endParaRPr lang="en-US" dirty="0"/>
           </a:p>
@@ -14198,35 +14196,6 @@
           <a:chExt cx="0" cy="0"/>
         </a:xfrm>
       </p:grpSpPr>
-      <p:pic>
-        <p:nvPicPr>
-          <p:cNvPr id="4" name="Picture 3"/>
-          <p:cNvPicPr>
-            <a:picLocks/>
-          </p:cNvPicPr>
-          <p:nvPr/>
-        </p:nvPicPr>
-        <p:blipFill rotWithShape="1">
-          <a:blip r:embed="rId2">
-            <a:extLst>
-              <a:ext uri="{28A0092B-C50C-407E-A947-70E740481C1C}">
-                <a14:useLocalDpi xmlns:a14="http://schemas.microsoft.com/office/drawing/2010/main" val="0"/>
-              </a:ext>
-            </a:extLst>
-          </a:blip>
-          <a:srcRect l="4042" t="19948" r="12618" b="-786"/>
-          <a:stretch/>
-        </p:blipFill>
-        <p:spPr>
-          <a:xfrm>
-            <a:off x="2880000" y="180000"/>
-            <a:ext cx="6480000" cy="6480000"/>
-          </a:xfrm>
-          <a:prstGeom prst="rect">
-            <a:avLst/>
-          </a:prstGeom>
-        </p:spPr>
-      </p:pic>
       <p:sp>
         <p:nvSpPr>
           <p:cNvPr id="3" name="TextBox 2"/>
@@ -14562,54 +14531,98 @@
           </a:graphicData>
         </a:graphic>
       </p:graphicFrame>
-      <p:sp>
-        <p:nvSpPr>
-          <p:cNvPr id="6" name="Rectangle 5"/>
-          <p:cNvSpPr/>
-          <p:nvPr/>
-        </p:nvSpPr>
-        <p:spPr>
-          <a:xfrm>
-            <a:off x="3966205" y="6586780"/>
-            <a:ext cx="532818" cy="68461"/>
-          </a:xfrm>
-          <a:prstGeom prst="rect">
-            <a:avLst/>
-          </a:prstGeom>
-          <a:solidFill>
-            <a:srgbClr val="00B050"/>
-          </a:solidFill>
-          <a:ln>
+      <p:grpSp>
+        <p:nvGrpSpPr>
+          <p:cNvPr id="2" name="Group 1"/>
+          <p:cNvGrpSpPr/>
+          <p:nvPr/>
+        </p:nvGrpSpPr>
+        <p:grpSpPr>
+          <a:xfrm>
+            <a:off x="2880000" y="180000"/>
+            <a:ext cx="6480000" cy="6480000"/>
+            <a:chOff x="2880000" y="180000"/>
+            <a:chExt cx="6480000" cy="6480000"/>
+          </a:xfrm>
+        </p:grpSpPr>
+        <p:pic>
+          <p:nvPicPr>
+            <p:cNvPr id="4" name="Picture 3"/>
+            <p:cNvPicPr>
+              <a:picLocks/>
+            </p:cNvPicPr>
+            <p:nvPr/>
+          </p:nvPicPr>
+          <p:blipFill rotWithShape="1">
+            <a:blip r:embed="rId2">
+              <a:extLst>
+                <a:ext uri="{28A0092B-C50C-407E-A947-70E740481C1C}">
+                  <a14:useLocalDpi xmlns:a14="http://schemas.microsoft.com/office/drawing/2010/main" val="0"/>
+                </a:ext>
+              </a:extLst>
+            </a:blip>
+            <a:srcRect l="4042" t="19948" r="12618" b="-786"/>
+            <a:stretch/>
+          </p:blipFill>
+          <p:spPr>
+            <a:xfrm>
+              <a:off x="2880000" y="180000"/>
+              <a:ext cx="6480000" cy="6480000"/>
+            </a:xfrm>
+            <a:prstGeom prst="rect">
+              <a:avLst/>
+            </a:prstGeom>
+          </p:spPr>
+        </p:pic>
+        <p:sp>
+          <p:nvSpPr>
+            <p:cNvPr id="6" name="Rectangle 5"/>
+            <p:cNvSpPr/>
+            <p:nvPr/>
+          </p:nvSpPr>
+          <p:spPr>
+            <a:xfrm>
+              <a:off x="3966205" y="6586780"/>
+              <a:ext cx="532818" cy="68461"/>
+            </a:xfrm>
+            <a:prstGeom prst="rect">
+              <a:avLst/>
+            </a:prstGeom>
             <a:solidFill>
               <a:srgbClr val="00B050"/>
             </a:solidFill>
-          </a:ln>
-        </p:spPr>
-        <p:style>
-          <a:lnRef idx="2">
-            <a:schemeClr val="accent1">
-              <a:shade val="50000"/>
-            </a:schemeClr>
-          </a:lnRef>
-          <a:fillRef idx="1">
-            <a:schemeClr val="accent1"/>
-          </a:fillRef>
-          <a:effectRef idx="0">
-            <a:schemeClr val="accent1"/>
-          </a:effectRef>
-          <a:fontRef idx="minor">
-            <a:schemeClr val="lt1"/>
-          </a:fontRef>
-        </p:style>
-        <p:txBody>
-          <a:bodyPr rtlCol="0" anchor="ctr"/>
-          <a:lstStyle/>
-          <a:p>
-            <a:pPr algn="ctr"/>
-            <a:endParaRPr lang="fr-FR"/>
-          </a:p>
-        </p:txBody>
-      </p:sp>
+            <a:ln>
+              <a:solidFill>
+                <a:srgbClr val="00B050"/>
+              </a:solidFill>
+            </a:ln>
+          </p:spPr>
+          <p:style>
+            <a:lnRef idx="2">
+              <a:schemeClr val="accent1">
+                <a:shade val="50000"/>
+              </a:schemeClr>
+            </a:lnRef>
+            <a:fillRef idx="1">
+              <a:schemeClr val="accent1"/>
+            </a:fillRef>
+            <a:effectRef idx="0">
+              <a:schemeClr val="accent1"/>
+            </a:effectRef>
+            <a:fontRef idx="minor">
+              <a:schemeClr val="lt1"/>
+            </a:fontRef>
+          </p:style>
+          <p:txBody>
+            <a:bodyPr rtlCol="0" anchor="ctr"/>
+            <a:lstStyle/>
+            <a:p>
+              <a:pPr algn="ctr"/>
+              <a:endParaRPr lang="fr-FR"/>
+            </a:p>
+          </p:txBody>
+        </p:sp>
+      </p:grpSp>
     </p:spTree>
     <p:extLst>
       <p:ext uri="{BB962C8B-B14F-4D97-AF65-F5344CB8AC3E}">
@@ -15416,531 +15429,6 @@
       </p:transition>
     </mc:Fallback>
   </mc:AlternateContent>
-</p:sld>
-</file>
-
-<file path=ppt/slides/slide28.xml><?xml version="1.0" encoding="utf-8"?>
-<p:sld xmlns:a="http://schemas.openxmlformats.org/drawingml/2006/main" xmlns:r="http://schemas.openxmlformats.org/officeDocument/2006/relationships" xmlns:p="http://schemas.openxmlformats.org/presentationml/2006/main">
-  <p:cSld>
-    <p:spTree>
-      <p:nvGrpSpPr>
-        <p:cNvPr id="1" name=""/>
-        <p:cNvGrpSpPr/>
-        <p:nvPr/>
-      </p:nvGrpSpPr>
-      <p:grpSpPr>
-        <a:xfrm>
-          <a:off x="0" y="0"/>
-          <a:ext cx="0" cy="0"/>
-          <a:chOff x="0" y="0"/>
-          <a:chExt cx="0" cy="0"/>
-        </a:xfrm>
-      </p:grpSpPr>
-      <p:sp>
-        <p:nvSpPr>
-          <p:cNvPr id="2" name="Title 1"/>
-          <p:cNvSpPr>
-            <a:spLocks noGrp="1"/>
-          </p:cNvSpPr>
-          <p:nvPr>
-            <p:ph type="title"/>
-          </p:nvPr>
-        </p:nvSpPr>
-        <p:spPr/>
-        <p:txBody>
-          <a:bodyPr/>
-          <a:lstStyle/>
-          <a:p>
-            <a:r>
-              <a:rPr lang="fr-FR" dirty="0"/>
-              <a:t>Pour la suite…</a:t>
-            </a:r>
-          </a:p>
-        </p:txBody>
-      </p:sp>
-      <p:sp>
-        <p:nvSpPr>
-          <p:cNvPr id="3" name="Content Placeholder 2"/>
-          <p:cNvSpPr>
-            <a:spLocks noGrp="1"/>
-          </p:cNvSpPr>
-          <p:nvPr>
-            <p:ph idx="1"/>
-          </p:nvPr>
-        </p:nvSpPr>
-        <p:spPr>
-          <a:xfrm>
-            <a:off x="2585876" y="1738393"/>
-            <a:ext cx="3780591" cy="3777622"/>
-          </a:xfrm>
-        </p:spPr>
-        <p:txBody>
-          <a:bodyPr/>
-          <a:lstStyle/>
-          <a:p>
-            <a:r>
-              <a:rPr lang="fr-FR" dirty="0"/>
-              <a:t>Etude globale</a:t>
-            </a:r>
-          </a:p>
-          <a:p>
-            <a:pPr lvl="1"/>
-            <a:r>
-              <a:rPr lang="fr-FR" dirty="0"/>
-              <a:t>Comparer les plans d’évacuation de façon peu coûteuse</a:t>
-            </a:r>
-          </a:p>
-          <a:p>
-            <a:pPr lvl="1"/>
-            <a:endParaRPr lang="fr-FR" dirty="0"/>
-          </a:p>
-        </p:txBody>
-      </p:sp>
-      <p:sp>
-        <p:nvSpPr>
-          <p:cNvPr id="4" name="Content Placeholder 2"/>
-          <p:cNvSpPr txBox="1">
-            <a:spLocks/>
-          </p:cNvSpPr>
-          <p:nvPr/>
-        </p:nvSpPr>
-        <p:spPr>
-          <a:xfrm>
-            <a:off x="7048768" y="1738393"/>
-            <a:ext cx="3780591" cy="3777622"/>
-          </a:xfrm>
-          <a:prstGeom prst="rect">
-            <a:avLst/>
-          </a:prstGeom>
-        </p:spPr>
-        <p:txBody>
-          <a:bodyPr vert="horz" lIns="91440" tIns="45720" rIns="91440" bIns="45720" rtlCol="0">
-            <a:normAutofit/>
-          </a:bodyPr>
-          <a:lstStyle>
-            <a:lvl1pPr marL="342900" indent="-342900" algn="l" defTabSz="457200" rtl="0" eaLnBrk="1" latinLnBrk="0" hangingPunct="1">
-              <a:spcBef>
-                <a:spcPts val="1000"/>
-              </a:spcBef>
-              <a:spcAft>
-                <a:spcPts val="0"/>
-              </a:spcAft>
-              <a:buClr>
-                <a:schemeClr val="accent1"/>
-              </a:buClr>
-              <a:buFont typeface="Wingdings 3" charset="2"/>
-              <a:buChar char=""/>
-              <a:defRPr sz="1800" kern="1200">
-                <a:solidFill>
-                  <a:schemeClr val="tx1">
-                    <a:lumMod val="75000"/>
-                    <a:lumOff val="25000"/>
-                  </a:schemeClr>
-                </a:solidFill>
-                <a:latin typeface="+mn-lt"/>
-                <a:ea typeface="+mn-ea"/>
-                <a:cs typeface="+mn-cs"/>
-              </a:defRPr>
-            </a:lvl1pPr>
-            <a:lvl2pPr marL="742950" indent="-285750" algn="l" defTabSz="457200" rtl="0" eaLnBrk="1" latinLnBrk="0" hangingPunct="1">
-              <a:spcBef>
-                <a:spcPts val="1000"/>
-              </a:spcBef>
-              <a:spcAft>
-                <a:spcPts val="0"/>
-              </a:spcAft>
-              <a:buClr>
-                <a:schemeClr val="accent1"/>
-              </a:buClr>
-              <a:buFont typeface="Wingdings 3" charset="2"/>
-              <a:buChar char=""/>
-              <a:defRPr sz="1600" kern="1200">
-                <a:solidFill>
-                  <a:schemeClr val="tx1">
-                    <a:lumMod val="75000"/>
-                    <a:lumOff val="25000"/>
-                  </a:schemeClr>
-                </a:solidFill>
-                <a:latin typeface="+mn-lt"/>
-                <a:ea typeface="+mn-ea"/>
-                <a:cs typeface="+mn-cs"/>
-              </a:defRPr>
-            </a:lvl2pPr>
-            <a:lvl3pPr marL="1143000" indent="-228600" algn="l" defTabSz="457200" rtl="0" eaLnBrk="1" latinLnBrk="0" hangingPunct="1">
-              <a:spcBef>
-                <a:spcPts val="1000"/>
-              </a:spcBef>
-              <a:spcAft>
-                <a:spcPts val="0"/>
-              </a:spcAft>
-              <a:buClr>
-                <a:schemeClr val="accent1"/>
-              </a:buClr>
-              <a:buFont typeface="Wingdings 3" charset="2"/>
-              <a:buChar char=""/>
-              <a:defRPr sz="1400" kern="1200">
-                <a:solidFill>
-                  <a:schemeClr val="tx1">
-                    <a:lumMod val="75000"/>
-                    <a:lumOff val="25000"/>
-                  </a:schemeClr>
-                </a:solidFill>
-                <a:latin typeface="+mn-lt"/>
-                <a:ea typeface="+mn-ea"/>
-                <a:cs typeface="+mn-cs"/>
-              </a:defRPr>
-            </a:lvl3pPr>
-            <a:lvl4pPr marL="1600200" indent="-228600" algn="l" defTabSz="457200" rtl="0" eaLnBrk="1" latinLnBrk="0" hangingPunct="1">
-              <a:spcBef>
-                <a:spcPts val="1000"/>
-              </a:spcBef>
-              <a:spcAft>
-                <a:spcPts val="0"/>
-              </a:spcAft>
-              <a:buClr>
-                <a:schemeClr val="accent1"/>
-              </a:buClr>
-              <a:buFont typeface="Wingdings 3" charset="2"/>
-              <a:buChar char=""/>
-              <a:defRPr sz="1200" kern="1200">
-                <a:solidFill>
-                  <a:schemeClr val="tx1">
-                    <a:lumMod val="75000"/>
-                    <a:lumOff val="25000"/>
-                  </a:schemeClr>
-                </a:solidFill>
-                <a:latin typeface="+mn-lt"/>
-                <a:ea typeface="+mn-ea"/>
-                <a:cs typeface="+mn-cs"/>
-              </a:defRPr>
-            </a:lvl4pPr>
-            <a:lvl5pPr marL="2057400" indent="-228600" algn="l" defTabSz="457200" rtl="0" eaLnBrk="1" latinLnBrk="0" hangingPunct="1">
-              <a:spcBef>
-                <a:spcPts val="1000"/>
-              </a:spcBef>
-              <a:spcAft>
-                <a:spcPts val="0"/>
-              </a:spcAft>
-              <a:buClr>
-                <a:schemeClr val="accent1"/>
-              </a:buClr>
-              <a:buFont typeface="Wingdings 3" charset="2"/>
-              <a:buChar char=""/>
-              <a:defRPr sz="1200" kern="1200">
-                <a:solidFill>
-                  <a:schemeClr val="tx1">
-                    <a:lumMod val="75000"/>
-                    <a:lumOff val="25000"/>
-                  </a:schemeClr>
-                </a:solidFill>
-                <a:latin typeface="+mn-lt"/>
-                <a:ea typeface="+mn-ea"/>
-                <a:cs typeface="+mn-cs"/>
-              </a:defRPr>
-            </a:lvl5pPr>
-            <a:lvl6pPr marL="2514600" indent="-228600" algn="l" defTabSz="457200" rtl="0" eaLnBrk="1" latinLnBrk="0" hangingPunct="1">
-              <a:spcBef>
-                <a:spcPts val="1000"/>
-              </a:spcBef>
-              <a:spcAft>
-                <a:spcPts val="0"/>
-              </a:spcAft>
-              <a:buClr>
-                <a:schemeClr val="accent1"/>
-              </a:buClr>
-              <a:buFont typeface="Wingdings 3" charset="2"/>
-              <a:buChar char=""/>
-              <a:defRPr sz="1200" kern="1200">
-                <a:solidFill>
-                  <a:schemeClr val="tx1">
-                    <a:lumMod val="75000"/>
-                    <a:lumOff val="25000"/>
-                  </a:schemeClr>
-                </a:solidFill>
-                <a:latin typeface="+mn-lt"/>
-                <a:ea typeface="+mn-ea"/>
-                <a:cs typeface="+mn-cs"/>
-              </a:defRPr>
-            </a:lvl6pPr>
-            <a:lvl7pPr marL="2971800" indent="-228600" algn="l" defTabSz="457200" rtl="0" eaLnBrk="1" latinLnBrk="0" hangingPunct="1">
-              <a:spcBef>
-                <a:spcPts val="1000"/>
-              </a:spcBef>
-              <a:spcAft>
-                <a:spcPts val="0"/>
-              </a:spcAft>
-              <a:buClr>
-                <a:schemeClr val="accent1"/>
-              </a:buClr>
-              <a:buFont typeface="Wingdings 3" charset="2"/>
-              <a:buChar char=""/>
-              <a:defRPr sz="1200" kern="1200">
-                <a:solidFill>
-                  <a:schemeClr val="tx1">
-                    <a:lumMod val="75000"/>
-                    <a:lumOff val="25000"/>
-                  </a:schemeClr>
-                </a:solidFill>
-                <a:latin typeface="+mn-lt"/>
-                <a:ea typeface="+mn-ea"/>
-                <a:cs typeface="+mn-cs"/>
-              </a:defRPr>
-            </a:lvl7pPr>
-            <a:lvl8pPr marL="3429000" indent="-228600" algn="l" defTabSz="457200" rtl="0" eaLnBrk="1" latinLnBrk="0" hangingPunct="1">
-              <a:spcBef>
-                <a:spcPts val="1000"/>
-              </a:spcBef>
-              <a:spcAft>
-                <a:spcPts val="0"/>
-              </a:spcAft>
-              <a:buClr>
-                <a:schemeClr val="accent1"/>
-              </a:buClr>
-              <a:buFont typeface="Wingdings 3" charset="2"/>
-              <a:buChar char=""/>
-              <a:defRPr sz="1200" kern="1200">
-                <a:solidFill>
-                  <a:schemeClr val="tx1">
-                    <a:lumMod val="75000"/>
-                    <a:lumOff val="25000"/>
-                  </a:schemeClr>
-                </a:solidFill>
-                <a:latin typeface="+mn-lt"/>
-                <a:ea typeface="+mn-ea"/>
-                <a:cs typeface="+mn-cs"/>
-              </a:defRPr>
-            </a:lvl8pPr>
-            <a:lvl9pPr marL="3886200" indent="-228600" algn="l" defTabSz="457200" rtl="0" eaLnBrk="1" latinLnBrk="0" hangingPunct="1">
-              <a:spcBef>
-                <a:spcPts val="1000"/>
-              </a:spcBef>
-              <a:spcAft>
-                <a:spcPts val="0"/>
-              </a:spcAft>
-              <a:buClr>
-                <a:schemeClr val="accent1"/>
-              </a:buClr>
-              <a:buFont typeface="Wingdings 3" charset="2"/>
-              <a:buChar char=""/>
-              <a:defRPr sz="1200" kern="1200">
-                <a:solidFill>
-                  <a:schemeClr val="tx1">
-                    <a:lumMod val="75000"/>
-                    <a:lumOff val="25000"/>
-                  </a:schemeClr>
-                </a:solidFill>
-                <a:latin typeface="+mn-lt"/>
-                <a:ea typeface="+mn-ea"/>
-                <a:cs typeface="+mn-cs"/>
-              </a:defRPr>
-            </a:lvl9pPr>
-          </a:lstStyle>
-          <a:p>
-            <a:r>
-              <a:rPr lang="fr-FR" dirty="0"/>
-              <a:t>Etude locale</a:t>
-            </a:r>
-          </a:p>
-          <a:p>
-            <a:pPr lvl="1"/>
-            <a:r>
-              <a:rPr lang="fr-FR" dirty="0"/>
-              <a:t>Peaufiner le lissage (méthode des moindres carrés, </a:t>
-            </a:r>
-          </a:p>
-          <a:p>
-            <a:pPr lvl="1"/>
-            <a:r>
-              <a:rPr lang="fr-FR" dirty="0"/>
-              <a:t>Rayons de personnes différents (débit plus réaliste)</a:t>
-            </a:r>
-          </a:p>
-          <a:p>
-            <a:pPr lvl="1"/>
-            <a:r>
-              <a:rPr lang="fr-FR" dirty="0"/>
-              <a:t>Arrivée des personnes dans les salles (pour modéliser les couloirs (zones vertes)</a:t>
-            </a:r>
-          </a:p>
-          <a:p>
-            <a:pPr lvl="1"/>
-            <a:endParaRPr lang="fr-FR" dirty="0"/>
-          </a:p>
-        </p:txBody>
-      </p:sp>
-      <p:sp>
-        <p:nvSpPr>
-          <p:cNvPr id="5" name="Rectangle 4"/>
-          <p:cNvSpPr/>
-          <p:nvPr/>
-        </p:nvSpPr>
-        <p:spPr>
-          <a:xfrm>
-            <a:off x="4480045" y="4788977"/>
-            <a:ext cx="4238787" cy="1247613"/>
-          </a:xfrm>
-          <a:prstGeom prst="rect">
-            <a:avLst/>
-          </a:prstGeom>
-        </p:spPr>
-        <p:style>
-          <a:lnRef idx="2">
-            <a:schemeClr val="accent1">
-              <a:shade val="50000"/>
-            </a:schemeClr>
-          </a:lnRef>
-          <a:fillRef idx="1">
-            <a:schemeClr val="accent1"/>
-          </a:fillRef>
-          <a:effectRef idx="0">
-            <a:schemeClr val="accent1"/>
-          </a:effectRef>
-          <a:fontRef idx="minor">
-            <a:schemeClr val="lt1"/>
-          </a:fontRef>
-        </p:style>
-        <p:txBody>
-          <a:bodyPr rtlCol="0" anchor="ctr"/>
-          <a:lstStyle/>
-          <a:p>
-            <a:pPr algn="ctr"/>
-            <a:r>
-              <a:rPr lang="fr-FR" dirty="0"/>
-              <a:t>Couplage des résultats</a:t>
-            </a:r>
-          </a:p>
-        </p:txBody>
-      </p:sp>
-    </p:spTree>
-    <p:extLst>
-      <p:ext uri="{BB962C8B-B14F-4D97-AF65-F5344CB8AC3E}">
-        <p14:creationId xmlns:p14="http://schemas.microsoft.com/office/powerpoint/2010/main" val="739003852"/>
-      </p:ext>
-    </p:extLst>
-  </p:cSld>
-  <p:clrMapOvr>
-    <a:masterClrMapping/>
-  </p:clrMapOvr>
-  <mc:AlternateContent xmlns:mc="http://schemas.openxmlformats.org/markup-compatibility/2006" xmlns:p14="http://schemas.microsoft.com/office/powerpoint/2010/main">
-    <mc:Choice Requires="p14">
-      <p:transition spd="med" p14:dur="700">
-        <p:fade/>
-      </p:transition>
-    </mc:Choice>
-    <mc:Fallback xmlns="">
-      <p:transition spd="med">
-        <p:fade/>
-      </p:transition>
-    </mc:Fallback>
-  </mc:AlternateContent>
-</p:sld>
-</file>
-
-<file path=ppt/slides/slide29.xml><?xml version="1.0" encoding="utf-8"?>
-<p:sld xmlns:a="http://schemas.openxmlformats.org/drawingml/2006/main" xmlns:r="http://schemas.openxmlformats.org/officeDocument/2006/relationships" xmlns:p="http://schemas.openxmlformats.org/presentationml/2006/main">
-  <p:cSld>
-    <p:spTree>
-      <p:nvGrpSpPr>
-        <p:cNvPr id="1" name=""/>
-        <p:cNvGrpSpPr/>
-        <p:nvPr/>
-      </p:nvGrpSpPr>
-      <p:grpSpPr>
-        <a:xfrm>
-          <a:off x="0" y="0"/>
-          <a:ext cx="0" cy="0"/>
-          <a:chOff x="0" y="0"/>
-          <a:chExt cx="0" cy="0"/>
-        </a:xfrm>
-      </p:grpSpPr>
-      <p:sp>
-        <p:nvSpPr>
-          <p:cNvPr id="2" name="Title 1"/>
-          <p:cNvSpPr>
-            <a:spLocks noGrp="1"/>
-          </p:cNvSpPr>
-          <p:nvPr>
-            <p:ph type="title"/>
-          </p:nvPr>
-        </p:nvSpPr>
-        <p:spPr/>
-        <p:txBody>
-          <a:bodyPr/>
-          <a:lstStyle/>
-          <a:p>
-            <a:r>
-              <a:rPr lang="fr-FR" dirty="0"/>
-              <a:t>Ce qu’on fous dans le diapo</a:t>
-            </a:r>
-          </a:p>
-        </p:txBody>
-      </p:sp>
-      <p:sp>
-        <p:nvSpPr>
-          <p:cNvPr id="3" name="Content Placeholder 2"/>
-          <p:cNvSpPr>
-            <a:spLocks noGrp="1"/>
-          </p:cNvSpPr>
-          <p:nvPr>
-            <p:ph idx="1"/>
-          </p:nvPr>
-        </p:nvSpPr>
-        <p:spPr/>
-        <p:txBody>
-          <a:bodyPr/>
-          <a:lstStyle/>
-          <a:p>
-            <a:r>
-              <a:rPr lang="fr-FR" dirty="0"/>
-              <a:t>Présenter le problème -&gt; optimiser l’évacuation en général</a:t>
-            </a:r>
-          </a:p>
-          <a:p>
-            <a:r>
-              <a:rPr lang="fr-FR" dirty="0"/>
-              <a:t>Optimisation locale</a:t>
-            </a:r>
-          </a:p>
-          <a:p>
-            <a:pPr lvl="1"/>
-            <a:r>
-              <a:rPr lang="fr-FR" dirty="0"/>
-              <a:t>Implémentation ??</a:t>
-            </a:r>
-          </a:p>
-          <a:p>
-            <a:pPr lvl="1"/>
-            <a:r>
-              <a:rPr lang="fr-FR" dirty="0"/>
-              <a:t>Le rôle de différents paramètres significatifs (porte, rangs, obstacles, placement, nombre, taille…)</a:t>
-            </a:r>
-          </a:p>
-          <a:p>
-            <a:pPr lvl="1"/>
-            <a:r>
-              <a:rPr lang="fr-FR" dirty="0"/>
-              <a:t>Obtention d’un débit optimisé réaliste</a:t>
-            </a:r>
-          </a:p>
-          <a:p>
-            <a:pPr lvl="1"/>
-            <a:r>
-              <a:rPr lang="fr-FR" dirty="0"/>
-              <a:t>Paramètres pertinents retenus pour la modélisation (pas prise en compte de la congestion)</a:t>
-            </a:r>
-          </a:p>
-        </p:txBody>
-      </p:sp>
-    </p:spTree>
-    <p:extLst>
-      <p:ext uri="{BB962C8B-B14F-4D97-AF65-F5344CB8AC3E}">
-        <p14:creationId xmlns:p14="http://schemas.microsoft.com/office/powerpoint/2010/main" val="363926812"/>
-      </p:ext>
-    </p:extLst>
-  </p:cSld>
-  <p:clrMapOvr>
-    <a:masterClrMapping/>
-  </p:clrMapOvr>
 </p:sld>
 </file>
 
